--- a/artifacts/arch/SRADG_SherlockCodes.pptx
+++ b/artifacts/arch/SRADG_SherlockCodes.pptx
@@ -108,6 +108,11 @@
       </a:defRPr>
     </a:lvl9pPr>
   </p:defaultTextStyle>
+  <p:extLst>
+    <p:ext uri="{EFAFB233-063F-42B5-8137-9DF3F51BA10A}">
+      <p15:sldGuideLst xmlns:p15="http://schemas.microsoft.com/office/powerpoint/2012/main"/>
+    </p:ext>
+  </p:extLst>
 </p:presentation>
 </file>
 
@@ -543,7 +548,7 @@
             <a:fld id="{B61BEF0D-F0BB-DE4B-95CE-6DB70DBA9567}" type="datetimeFigureOut">
               <a:rPr lang="en-US" dirty="0"/>
               <a:pPr/>
-              <a:t>3/26/2025</a:t>
+              <a:t>26-Mar-25</a:t>
             </a:fld>
             <a:endParaRPr lang="en-US" dirty="0"/>
           </a:p>
@@ -802,7 +807,7 @@
             <a:fld id="{B61BEF0D-F0BB-DE4B-95CE-6DB70DBA9567}" type="datetimeFigureOut">
               <a:rPr lang="en-US" dirty="0"/>
               <a:pPr/>
-              <a:t>3/26/2025</a:t>
+              <a:t>26-Mar-25</a:t>
             </a:fld>
             <a:endParaRPr lang="en-US" dirty="0"/>
           </a:p>
@@ -1034,7 +1039,7 @@
             <a:fld id="{B61BEF0D-F0BB-DE4B-95CE-6DB70DBA9567}" type="datetimeFigureOut">
               <a:rPr lang="en-US" dirty="0"/>
               <a:pPr/>
-              <a:t>3/26/2025</a:t>
+              <a:t>26-Mar-25</a:t>
             </a:fld>
             <a:endParaRPr lang="en-US" dirty="0"/>
           </a:p>
@@ -1271,7 +1276,7 @@
             <a:fld id="{B61BEF0D-F0BB-DE4B-95CE-6DB70DBA9567}" type="datetimeFigureOut">
               <a:rPr lang="en-US" dirty="0"/>
               <a:pPr/>
-              <a:t>3/26/2025</a:t>
+              <a:t>26-Mar-25</a:t>
             </a:fld>
             <a:endParaRPr lang="en-US" dirty="0"/>
           </a:p>
@@ -1575,7 +1580,7 @@
             <a:fld id="{B61BEF0D-F0BB-DE4B-95CE-6DB70DBA9567}" type="datetimeFigureOut">
               <a:rPr lang="en-US" dirty="0"/>
               <a:pPr/>
-              <a:t>3/26/2025</a:t>
+              <a:t>26-Mar-25</a:t>
             </a:fld>
             <a:endParaRPr lang="en-US" dirty="0"/>
           </a:p>
@@ -1874,7 +1879,7 @@
             <a:fld id="{B61BEF0D-F0BB-DE4B-95CE-6DB70DBA9567}" type="datetimeFigureOut">
               <a:rPr lang="en-US" dirty="0"/>
               <a:pPr/>
-              <a:t>3/26/2025</a:t>
+              <a:t>26-Mar-25</a:t>
             </a:fld>
             <a:endParaRPr lang="en-US" dirty="0"/>
           </a:p>
@@ -2293,7 +2298,7 @@
             <a:fld id="{B61BEF0D-F0BB-DE4B-95CE-6DB70DBA9567}" type="datetimeFigureOut">
               <a:rPr lang="en-US" dirty="0"/>
               <a:pPr/>
-              <a:t>3/26/2025</a:t>
+              <a:t>26-Mar-25</a:t>
             </a:fld>
             <a:endParaRPr lang="en-US" dirty="0"/>
           </a:p>
@@ -2452,7 +2457,7 @@
             <a:fld id="{B61BEF0D-F0BB-DE4B-95CE-6DB70DBA9567}" type="datetimeFigureOut">
               <a:rPr lang="en-US" dirty="0"/>
               <a:pPr/>
-              <a:t>3/26/2025</a:t>
+              <a:t>26-Mar-25</a:t>
             </a:fld>
             <a:endParaRPr lang="en-US" dirty="0"/>
           </a:p>
@@ -2544,7 +2549,7 @@
             <a:fld id="{B61BEF0D-F0BB-DE4B-95CE-6DB70DBA9567}" type="datetimeFigureOut">
               <a:rPr lang="en-US" dirty="0"/>
               <a:pPr/>
-              <a:t>3/26/2025</a:t>
+              <a:t>26-Mar-25</a:t>
             </a:fld>
             <a:endParaRPr lang="en-US" dirty="0"/>
           </a:p>
@@ -2919,7 +2924,7 @@
             <a:fld id="{B61BEF0D-F0BB-DE4B-95CE-6DB70DBA9567}" type="datetimeFigureOut">
               <a:rPr lang="en-US" dirty="0"/>
               <a:pPr/>
-              <a:t>3/26/2025</a:t>
+              <a:t>26-Mar-25</a:t>
             </a:fld>
             <a:endParaRPr lang="en-US" dirty="0"/>
           </a:p>
@@ -3205,7 +3210,7 @@
             <a:fld id="{B61BEF0D-F0BB-DE4B-95CE-6DB70DBA9567}" type="datetimeFigureOut">
               <a:rPr lang="en-US" dirty="0"/>
               <a:pPr/>
-              <a:t>3/26/2025</a:t>
+              <a:t>26-Mar-25</a:t>
             </a:fld>
             <a:endParaRPr lang="en-US" dirty="0"/>
           </a:p>
@@ -3413,7 +3418,7 @@
             <a:fld id="{B61BEF0D-F0BB-DE4B-95CE-6DB70DBA9567}" type="datetimeFigureOut">
               <a:rPr lang="en-US" dirty="0"/>
               <a:pPr/>
-              <a:t>3/26/2025</a:t>
+              <a:t>26-Mar-25</a:t>
             </a:fld>
             <a:endParaRPr lang="en-US" dirty="0"/>
           </a:p>
@@ -4469,8 +4474,8 @@
         </p:nvSpPr>
         <p:spPr>
           <a:xfrm>
-            <a:off x="5201174" y="2457990"/>
-            <a:ext cx="1600200" cy="1106424"/>
+            <a:off x="5118545" y="2457990"/>
+            <a:ext cx="1788282" cy="1106424"/>
           </a:xfrm>
           <a:prstGeom prst="roundRect">
             <a:avLst/>
@@ -4511,7 +4516,7 @@
                 <a:effectLst/>
                 <a:latin typeface="+mj-lt"/>
               </a:rPr>
-              <a:t>Classification </a:t>
+              <a:t>Hybrid Classification </a:t>
             </a:r>
             <a:r>
               <a:rPr lang="en-IN" sz="1400" i="0" dirty="0">
@@ -4521,7 +4526,27 @@
                 <a:effectLst/>
                 <a:latin typeface="+mj-lt"/>
               </a:rPr>
-              <a:t>(LLM-based categorization of anomalies)</a:t>
+              <a:t>(</a:t>
+            </a:r>
+            <a:r>
+              <a:rPr lang="en-IN" sz="1400" i="0">
+                <a:solidFill>
+                  <a:srgbClr val="222222"/>
+                </a:solidFill>
+                <a:effectLst/>
+                <a:latin typeface="+mj-lt"/>
+              </a:rPr>
+              <a:t>User Rules </a:t>
+            </a:r>
+            <a:r>
+              <a:rPr lang="en-IN" sz="1400" i="0" dirty="0">
+                <a:solidFill>
+                  <a:srgbClr val="222222"/>
+                </a:solidFill>
+                <a:effectLst/>
+                <a:latin typeface="+mj-lt"/>
+              </a:rPr>
+              <a:t>&amp; LLM-based categorization of anomalies)</a:t>
             </a:r>
             <a:endParaRPr lang="en-IN" sz="1600" dirty="0">
               <a:solidFill>
@@ -4546,7 +4571,7 @@
         </p:nvSpPr>
         <p:spPr>
           <a:xfrm>
-            <a:off x="7325848" y="2457990"/>
+            <a:off x="7477120" y="2457990"/>
             <a:ext cx="1788282" cy="1106424"/>
           </a:xfrm>
           <a:prstGeom prst="roundRect">
@@ -4957,7 +4982,7 @@
         <p:spPr>
           <a:xfrm>
             <a:off x="4597291" y="3006339"/>
-            <a:ext cx="603883" cy="4863"/>
+            <a:ext cx="521254" cy="4863"/>
           </a:xfrm>
           <a:prstGeom prst="straightConnector1">
             <a:avLst/>
@@ -5005,8 +5030,8 @@
         </p:nvCxnSpPr>
         <p:spPr>
           <a:xfrm>
-            <a:off x="6801374" y="3011202"/>
-            <a:ext cx="524474" cy="0"/>
+            <a:off x="6906827" y="3011202"/>
+            <a:ext cx="570293" cy="0"/>
           </a:xfrm>
           <a:prstGeom prst="straightConnector1">
             <a:avLst/>
@@ -5054,8 +5079,8 @@
         </p:nvCxnSpPr>
         <p:spPr>
           <a:xfrm flipV="1">
-            <a:off x="9114130" y="3008770"/>
-            <a:ext cx="708395" cy="2432"/>
+            <a:off x="9265402" y="3008770"/>
+            <a:ext cx="557123" cy="2432"/>
           </a:xfrm>
           <a:prstGeom prst="straightConnector1">
             <a:avLst/>
